--- a/Result/Genome Analyses Project.pptx
+++ b/Result/Genome Analyses Project.pptx
@@ -4842,7 +4842,7 @@
         </p:blipFill>
         <p:spPr>
           <a:xfrm>
-            <a:off x="5892959" y="1539876"/>
+            <a:off x="5910714" y="1485463"/>
             <a:ext cx="5364090" cy="4060824"/>
           </a:xfrm>
           <a:prstGeom prst="rect">
@@ -4900,7 +4900,7 @@
         </p:nvSpPr>
         <p:spPr>
           <a:xfrm>
-            <a:off x="7293745" y="5753100"/>
+            <a:off x="7267112" y="5682763"/>
             <a:ext cx="3147874" cy="369332"/>
           </a:xfrm>
           <a:prstGeom prst="rect">
@@ -4936,7 +4936,7 @@
         </p:nvSpPr>
         <p:spPr>
           <a:xfrm>
-            <a:off x="4385569" y="5939162"/>
+            <a:off x="4672243" y="5753100"/>
             <a:ext cx="1908699" cy="369332"/>
           </a:xfrm>
           <a:prstGeom prst="rect">
